--- a/info/lock.pptx
+++ b/info/lock.pptx
@@ -9,10 +9,7 @@
     <p:sldId id="256" r:id="rId3"/>
     <p:sldId id="260" r:id="rId4"/>
     <p:sldId id="261" r:id="rId5"/>
-    <p:sldId id="262" r:id="rId6"/>
-    <p:sldId id="263" r:id="rId7"/>
-    <p:sldId id="268" r:id="rId8"/>
-    <p:sldId id="269" r:id="rId9"/>
+    <p:sldId id="269" r:id="rId6"/>
   </p:sldIdLst>
   <p:sldSz cx="12192000" cy="6858000"/>
   <p:notesSz cx="6858000" cy="9144000"/>
@@ -111,6 +108,11 @@
       </a:defRPr>
     </a:lvl9pPr>
   </p:defaultTextStyle>
+  <p:extLst>
+    <p:ext uri="{EFAFB233-063F-42B5-8137-9DF3F51BA10A}">
+      <p15:sldGuideLst xmlns:p15="http://schemas.microsoft.com/office/powerpoint/2012/main"/>
+    </p:ext>
+  </p:extLst>
 </p:presentation>
 </file>
 
@@ -253,7 +255,7 @@
           <a:p>
             <a:fld id="{61F635BC-B87D-8F4F-AA77-C4D1BEFC0223}" type="datetimeFigureOut">
               <a:rPr lang="en-US" smtClean="0"/>
-              <a:t>2/4/16</a:t>
+              <a:t>2/5/16</a:t>
             </a:fld>
             <a:endParaRPr lang="en-US"/>
           </a:p>
@@ -430,7 +432,7 @@
           <a:p>
             <a:fld id="{61F635BC-B87D-8F4F-AA77-C4D1BEFC0223}" type="datetimeFigureOut">
               <a:rPr lang="en-US" smtClean="0"/>
-              <a:t>2/4/16</a:t>
+              <a:t>2/5/16</a:t>
             </a:fld>
             <a:endParaRPr lang="en-US"/>
           </a:p>
@@ -610,7 +612,7 @@
           <a:p>
             <a:fld id="{61F635BC-B87D-8F4F-AA77-C4D1BEFC0223}" type="datetimeFigureOut">
               <a:rPr lang="en-US" smtClean="0"/>
-              <a:t>2/4/16</a:t>
+              <a:t>2/5/16</a:t>
             </a:fld>
             <a:endParaRPr lang="en-US"/>
           </a:p>
@@ -802,7 +804,7 @@
           <a:p>
             <a:fld id="{310EAF06-BE86-E144-8328-38C5873A2168}" type="datetimeFigureOut">
               <a:rPr lang="en-US" smtClean="0"/>
-              <a:t>2/4/16</a:t>
+              <a:t>2/5/16</a:t>
             </a:fld>
             <a:endParaRPr lang="en-US"/>
           </a:p>
@@ -972,7 +974,7 @@
           <a:p>
             <a:fld id="{310EAF06-BE86-E144-8328-38C5873A2168}" type="datetimeFigureOut">
               <a:rPr lang="en-US" smtClean="0"/>
-              <a:t>2/4/16</a:t>
+              <a:t>2/5/16</a:t>
             </a:fld>
             <a:endParaRPr lang="en-US"/>
           </a:p>
@@ -1218,7 +1220,7 @@
           <a:p>
             <a:fld id="{310EAF06-BE86-E144-8328-38C5873A2168}" type="datetimeFigureOut">
               <a:rPr lang="en-US" smtClean="0"/>
-              <a:t>2/4/16</a:t>
+              <a:t>2/5/16</a:t>
             </a:fld>
             <a:endParaRPr lang="en-US"/>
           </a:p>
@@ -1450,7 +1452,7 @@
           <a:p>
             <a:fld id="{310EAF06-BE86-E144-8328-38C5873A2168}" type="datetimeFigureOut">
               <a:rPr lang="en-US" smtClean="0"/>
-              <a:t>2/4/16</a:t>
+              <a:t>2/5/16</a:t>
             </a:fld>
             <a:endParaRPr lang="en-US"/>
           </a:p>
@@ -1817,7 +1819,7 @@
           <a:p>
             <a:fld id="{310EAF06-BE86-E144-8328-38C5873A2168}" type="datetimeFigureOut">
               <a:rPr lang="en-US" smtClean="0"/>
-              <a:t>2/4/16</a:t>
+              <a:t>2/5/16</a:t>
             </a:fld>
             <a:endParaRPr lang="en-US"/>
           </a:p>
@@ -1935,7 +1937,7 @@
           <a:p>
             <a:fld id="{310EAF06-BE86-E144-8328-38C5873A2168}" type="datetimeFigureOut">
               <a:rPr lang="en-US" smtClean="0"/>
-              <a:t>2/4/16</a:t>
+              <a:t>2/5/16</a:t>
             </a:fld>
             <a:endParaRPr lang="en-US"/>
           </a:p>
@@ -2030,7 +2032,7 @@
           <a:p>
             <a:fld id="{310EAF06-BE86-E144-8328-38C5873A2168}" type="datetimeFigureOut">
               <a:rPr lang="en-US" smtClean="0"/>
-              <a:t>2/4/16</a:t>
+              <a:t>2/5/16</a:t>
             </a:fld>
             <a:endParaRPr lang="en-US"/>
           </a:p>
@@ -2307,7 +2309,7 @@
           <a:p>
             <a:fld id="{310EAF06-BE86-E144-8328-38C5873A2168}" type="datetimeFigureOut">
               <a:rPr lang="en-US" smtClean="0"/>
-              <a:t>2/4/16</a:t>
+              <a:t>2/5/16</a:t>
             </a:fld>
             <a:endParaRPr lang="en-US"/>
           </a:p>
@@ -2521,7 +2523,7 @@
           <a:p>
             <a:fld id="{61F635BC-B87D-8F4F-AA77-C4D1BEFC0223}" type="datetimeFigureOut">
               <a:rPr lang="en-US" smtClean="0"/>
-              <a:t>2/4/16</a:t>
+              <a:t>2/5/16</a:t>
             </a:fld>
             <a:endParaRPr lang="en-US"/>
           </a:p>
@@ -2781,7 +2783,7 @@
           <a:p>
             <a:fld id="{310EAF06-BE86-E144-8328-38C5873A2168}" type="datetimeFigureOut">
               <a:rPr lang="en-US" smtClean="0"/>
-              <a:t>2/4/16</a:t>
+              <a:t>2/5/16</a:t>
             </a:fld>
             <a:endParaRPr lang="en-US"/>
           </a:p>
@@ -2951,7 +2953,7 @@
           <a:p>
             <a:fld id="{310EAF06-BE86-E144-8328-38C5873A2168}" type="datetimeFigureOut">
               <a:rPr lang="en-US" smtClean="0"/>
-              <a:t>2/4/16</a:t>
+              <a:t>2/5/16</a:t>
             </a:fld>
             <a:endParaRPr lang="en-US"/>
           </a:p>
@@ -3131,7 +3133,7 @@
           <a:p>
             <a:fld id="{310EAF06-BE86-E144-8328-38C5873A2168}" type="datetimeFigureOut">
               <a:rPr lang="en-US" smtClean="0"/>
-              <a:t>2/4/16</a:t>
+              <a:t>2/5/16</a:t>
             </a:fld>
             <a:endParaRPr lang="en-US"/>
           </a:p>
@@ -3452,7 +3454,7 @@
           <a:p>
             <a:fld id="{61F635BC-B87D-8F4F-AA77-C4D1BEFC0223}" type="datetimeFigureOut">
               <a:rPr lang="en-US" smtClean="0"/>
-              <a:t>2/4/16</a:t>
+              <a:t>2/5/16</a:t>
             </a:fld>
             <a:endParaRPr lang="en-US"/>
           </a:p>
@@ -3684,7 +3686,7 @@
           <a:p>
             <a:fld id="{61F635BC-B87D-8F4F-AA77-C4D1BEFC0223}" type="datetimeFigureOut">
               <a:rPr lang="en-US" smtClean="0"/>
-              <a:t>2/4/16</a:t>
+              <a:t>2/5/16</a:t>
             </a:fld>
             <a:endParaRPr lang="en-US"/>
           </a:p>
@@ -4051,7 +4053,7 @@
           <a:p>
             <a:fld id="{61F635BC-B87D-8F4F-AA77-C4D1BEFC0223}" type="datetimeFigureOut">
               <a:rPr lang="en-US" smtClean="0"/>
-              <a:t>2/4/16</a:t>
+              <a:t>2/5/16</a:t>
             </a:fld>
             <a:endParaRPr lang="en-US"/>
           </a:p>
@@ -4169,7 +4171,7 @@
           <a:p>
             <a:fld id="{61F635BC-B87D-8F4F-AA77-C4D1BEFC0223}" type="datetimeFigureOut">
               <a:rPr lang="en-US" smtClean="0"/>
-              <a:t>2/4/16</a:t>
+              <a:t>2/5/16</a:t>
             </a:fld>
             <a:endParaRPr lang="en-US"/>
           </a:p>
@@ -4264,7 +4266,7 @@
           <a:p>
             <a:fld id="{61F635BC-B87D-8F4F-AA77-C4D1BEFC0223}" type="datetimeFigureOut">
               <a:rPr lang="en-US" smtClean="0"/>
-              <a:t>2/4/16</a:t>
+              <a:t>2/5/16</a:t>
             </a:fld>
             <a:endParaRPr lang="en-US"/>
           </a:p>
@@ -4541,7 +4543,7 @@
           <a:p>
             <a:fld id="{61F635BC-B87D-8F4F-AA77-C4D1BEFC0223}" type="datetimeFigureOut">
               <a:rPr lang="en-US" smtClean="0"/>
-              <a:t>2/4/16</a:t>
+              <a:t>2/5/16</a:t>
             </a:fld>
             <a:endParaRPr lang="en-US"/>
           </a:p>
@@ -4794,7 +4796,7 @@
           <a:p>
             <a:fld id="{61F635BC-B87D-8F4F-AA77-C4D1BEFC0223}" type="datetimeFigureOut">
               <a:rPr lang="en-US" smtClean="0"/>
-              <a:t>2/4/16</a:t>
+              <a:t>2/5/16</a:t>
             </a:fld>
             <a:endParaRPr lang="en-US"/>
           </a:p>
@@ -5007,7 +5009,7 @@
           <a:p>
             <a:fld id="{61F635BC-B87D-8F4F-AA77-C4D1BEFC0223}" type="datetimeFigureOut">
               <a:rPr lang="en-US" smtClean="0"/>
-              <a:t>2/4/16</a:t>
+              <a:t>2/5/16</a:t>
             </a:fld>
             <a:endParaRPr lang="en-US"/>
           </a:p>
@@ -5554,7 +5556,7 @@
           <a:p>
             <a:fld id="{310EAF06-BE86-E144-8328-38C5873A2168}" type="datetimeFigureOut">
               <a:rPr lang="en-US" smtClean="0"/>
-              <a:t>2/4/16</a:t>
+              <a:t>2/5/16</a:t>
             </a:fld>
             <a:endParaRPr lang="en-US"/>
           </a:p>
@@ -6192,216 +6194,36 @@
           <a:chExt cx="0" cy="0"/>
         </a:xfrm>
       </p:grpSpPr>
-      <p:sp>
-        <p:nvSpPr>
-          <p:cNvPr id="2" name="Title 1"/>
-          <p:cNvSpPr>
-            <a:spLocks noGrp="1"/>
-          </p:cNvSpPr>
-          <p:nvPr>
-            <p:ph type="title"/>
-          </p:nvPr>
-        </p:nvSpPr>
-        <p:spPr/>
-        <p:txBody>
-          <a:bodyPr/>
-          <a:lstStyle/>
-          <a:p>
-            <a:r>
-              <a:rPr lang="en-US" dirty="0" smtClean="0"/>
-              <a:t>standard locks:</a:t>
-            </a:r>
-            <a:endParaRPr lang="en-US" dirty="0"/>
-          </a:p>
-        </p:txBody>
-      </p:sp>
-    </p:spTree>
-    <p:extLst>
-      <p:ext uri="{BB962C8B-B14F-4D97-AF65-F5344CB8AC3E}">
-        <p14:creationId xmlns:p14="http://schemas.microsoft.com/office/powerpoint/2010/main" val="596657188"/>
-      </p:ext>
-    </p:extLst>
-  </p:cSld>
-  <p:clrMapOvr>
-    <a:masterClrMapping/>
-  </p:clrMapOvr>
-  <p:timing>
-    <p:tnLst>
-      <p:par>
-        <p:cTn id="1" dur="indefinite" restart="never" nodeType="tmRoot"/>
-      </p:par>
-    </p:tnLst>
-  </p:timing>
-</p:sld>
-</file>
-
-<file path=ppt/slides/slide5.xml><?xml version="1.0" encoding="utf-8"?>
-<p:sld xmlns:a="http://schemas.openxmlformats.org/drawingml/2006/main" xmlns:r="http://schemas.openxmlformats.org/officeDocument/2006/relationships" xmlns:p="http://schemas.openxmlformats.org/presentationml/2006/main">
-  <p:cSld>
-    <p:spTree>
-      <p:nvGrpSpPr>
-        <p:cNvPr id="1" name=""/>
-        <p:cNvGrpSpPr/>
-        <p:nvPr/>
-      </p:nvGrpSpPr>
-      <p:grpSpPr>
-        <a:xfrm>
-          <a:off x="0" y="0"/>
-          <a:ext cx="0" cy="0"/>
-          <a:chOff x="0" y="0"/>
-          <a:chExt cx="0" cy="0"/>
-        </a:xfrm>
-      </p:grpSpPr>
-      <p:sp>
-        <p:nvSpPr>
-          <p:cNvPr id="2" name="Title 1"/>
-          <p:cNvSpPr>
-            <a:spLocks noGrp="1"/>
-          </p:cNvSpPr>
-          <p:nvPr>
-            <p:ph type="title"/>
-          </p:nvPr>
-        </p:nvSpPr>
-        <p:spPr/>
-        <p:txBody>
-          <a:bodyPr/>
-          <a:lstStyle/>
-          <a:p>
-            <a:r>
-              <a:rPr lang="en-US" dirty="0" smtClean="0"/>
-              <a:t>pin/</a:t>
-            </a:r>
-            <a:br>
-              <a:rPr lang="en-US" dirty="0" smtClean="0"/>
-            </a:br>
-            <a:r>
-              <a:rPr lang="en-US" dirty="0" smtClean="0"/>
-              <a:t>tumbler</a:t>
-            </a:r>
-            <a:endParaRPr lang="en-US" dirty="0"/>
-          </a:p>
-        </p:txBody>
-      </p:sp>
-    </p:spTree>
-    <p:extLst>
-      <p:ext uri="{BB962C8B-B14F-4D97-AF65-F5344CB8AC3E}">
-        <p14:creationId xmlns:p14="http://schemas.microsoft.com/office/powerpoint/2010/main" val="831514435"/>
-      </p:ext>
-    </p:extLst>
-  </p:cSld>
-  <p:clrMapOvr>
-    <a:masterClrMapping/>
-  </p:clrMapOvr>
-  <p:timing>
-    <p:tnLst>
-      <p:par>
-        <p:cTn id="1" dur="indefinite" restart="never" nodeType="tmRoot"/>
-      </p:par>
-    </p:tnLst>
-  </p:timing>
-</p:sld>
-</file>
-
-<file path=ppt/slides/slide6.xml><?xml version="1.0" encoding="utf-8"?>
-<p:sld xmlns:a="http://schemas.openxmlformats.org/drawingml/2006/main" xmlns:r="http://schemas.openxmlformats.org/officeDocument/2006/relationships" xmlns:p="http://schemas.openxmlformats.org/presentationml/2006/main">
-  <p:cSld>
-    <p:spTree>
-      <p:nvGrpSpPr>
-        <p:cNvPr id="1" name=""/>
-        <p:cNvGrpSpPr/>
-        <p:nvPr/>
-      </p:nvGrpSpPr>
-      <p:grpSpPr>
-        <a:xfrm>
-          <a:off x="0" y="0"/>
-          <a:ext cx="0" cy="0"/>
-          <a:chOff x="0" y="0"/>
-          <a:chExt cx="0" cy="0"/>
-        </a:xfrm>
-      </p:grpSpPr>
-      <p:sp>
-        <p:nvSpPr>
-          <p:cNvPr id="2" name="Title 1"/>
-          <p:cNvSpPr>
-            <a:spLocks noGrp="1"/>
-          </p:cNvSpPr>
-          <p:nvPr>
-            <p:ph type="title"/>
-          </p:nvPr>
-        </p:nvSpPr>
-        <p:spPr/>
-        <p:txBody>
-          <a:bodyPr/>
-          <a:lstStyle/>
-          <a:p>
-            <a:r>
-              <a:rPr lang="en-US" dirty="0"/>
-              <a:t> </a:t>
-            </a:r>
-            <a:r>
-              <a:rPr lang="en-US" dirty="0" smtClean="0"/>
-              <a:t>  a few    seconds</a:t>
-            </a:r>
-            <a:endParaRPr lang="en-US" dirty="0"/>
-          </a:p>
-        </p:txBody>
-      </p:sp>
-    </p:spTree>
-    <p:extLst>
-      <p:ext uri="{BB962C8B-B14F-4D97-AF65-F5344CB8AC3E}">
-        <p14:creationId xmlns:p14="http://schemas.microsoft.com/office/powerpoint/2010/main" val="1734959420"/>
-      </p:ext>
-    </p:extLst>
-  </p:cSld>
-  <p:clrMapOvr>
-    <a:masterClrMapping/>
-  </p:clrMapOvr>
-  <p:timing>
-    <p:tnLst>
-      <p:par>
-        <p:cTn id="1" dur="indefinite" restart="never" nodeType="tmRoot"/>
-      </p:par>
-    </p:tnLst>
-  </p:timing>
-</p:sld>
-</file>
-
-<file path=ppt/slides/slide7.xml><?xml version="1.0" encoding="utf-8"?>
-<p:sld xmlns:a="http://schemas.openxmlformats.org/drawingml/2006/main" xmlns:r="http://schemas.openxmlformats.org/officeDocument/2006/relationships" xmlns:p="http://schemas.openxmlformats.org/presentationml/2006/main">
-  <p:cSld>
-    <p:spTree>
-      <p:nvGrpSpPr>
-        <p:cNvPr id="1" name=""/>
-        <p:cNvGrpSpPr/>
-        <p:nvPr/>
-      </p:nvGrpSpPr>
-      <p:grpSpPr>
-        <a:xfrm>
-          <a:off x="0" y="0"/>
-          <a:ext cx="0" cy="0"/>
-          <a:chOff x="0" y="0"/>
-          <a:chExt cx="0" cy="0"/>
-        </a:xfrm>
-      </p:grpSpPr>
-      <p:sp>
-        <p:nvSpPr>
-          <p:cNvPr id="2" name="Title 1"/>
-          <p:cNvSpPr>
-            <a:spLocks noGrp="1"/>
-          </p:cNvSpPr>
-          <p:nvPr>
-            <p:ph type="title"/>
-          </p:nvPr>
-        </p:nvSpPr>
-        <p:spPr/>
-        <p:txBody>
-          <a:bodyPr/>
-          <a:lstStyle/>
-          <a:p>
-            <a:endParaRPr lang="en-US"/>
-          </a:p>
-        </p:txBody>
-      </p:sp>
+      <p:pic>
+        <p:nvPicPr>
+          <p:cNvPr id="3" name="Picture 2"/>
+          <p:cNvPicPr>
+            <a:picLocks noChangeAspect="1"/>
+          </p:cNvPicPr>
+          <p:nvPr/>
+        </p:nvPicPr>
+        <p:blipFill>
+          <a:blip r:embed="rId2">
+            <a:extLst>
+              <a:ext uri="{28A0092B-C50C-407E-A947-70E740481C1C}">
+                <a14:useLocalDpi xmlns:a14="http://schemas.microsoft.com/office/drawing/2010/main" val="0"/>
+              </a:ext>
+            </a:extLst>
+          </a:blip>
+          <a:stretch>
+            <a:fillRect/>
+          </a:stretch>
+        </p:blipFill>
+        <p:spPr>
+          <a:xfrm>
+            <a:off x="2079343" y="1259173"/>
+            <a:ext cx="8342027" cy="3972394"/>
+          </a:xfrm>
+          <a:prstGeom prst="rect">
+            <a:avLst/>
+          </a:prstGeom>
+        </p:spPr>
+      </p:pic>
     </p:spTree>
     <p:extLst>
       <p:ext uri="{BB962C8B-B14F-4D97-AF65-F5344CB8AC3E}">
